--- a/Capstone 2 WNV.pptx
+++ b/Capstone 2 WNV.pptx
@@ -4548,7 +4548,7 @@
           <a:p>
             <a:r>
               <a:rPr lang="en-US" dirty="0"/>
-              <a:t>The first positive West Nile Virus (WNV) case in Chicago occurred in 2002</a:t>
+              <a:t>The first positive West Nile Virus (WNV) case in Chicago in 2002</a:t>
             </a:r>
           </a:p>
           <a:p>
@@ -4575,21 +4575,21 @@
           <a:p>
             <a:r>
               <a:rPr lang="en-US" dirty="0"/>
-              <a:t>The Chicago Department of Public Health (CDPH) sought to mitigate risk by installing a system traps</a:t>
+              <a:t>Chicago Department of Public Health (CDPH) sought to mitigate risk by installing a system traps</a:t>
             </a:r>
           </a:p>
           <a:p>
             <a:pPr lvl="1"/>
             <a:r>
               <a:rPr lang="en-US" dirty="0"/>
-              <a:t>70-116 traps placed around the city </a:t>
+              <a:t>70+ traps placed around the city each summer</a:t>
             </a:r>
           </a:p>
           <a:p>
             <a:pPr lvl="1"/>
             <a:r>
               <a:rPr lang="en-US" dirty="0"/>
-              <a:t>Traps are sampled once a week and tested for WNV</a:t>
+              <a:t>Traps are sampled once a week or more, and tested for WNV</a:t>
             </a:r>
           </a:p>
           <a:p>
@@ -5343,7 +5343,9 @@
         </p:nvSpPr>
         <p:spPr/>
         <p:txBody>
-          <a:bodyPr/>
+          <a:bodyPr>
+            <a:normAutofit fontScale="85000" lnSpcReduction="20000"/>
+          </a:bodyPr>
           <a:lstStyle/>
           <a:p>
             <a:r>
@@ -5384,6 +5386,24 @@
             <a:r>
               <a:rPr lang="en-US" dirty="0"/>
               <a:t>Sunrise and sunset time</a:t>
+            </a:r>
+          </a:p>
+          <a:p>
+            <a:r>
+              <a:rPr lang="en-US" dirty="0"/>
+              <a:t>Filled in null values for a small number of values from the other station</a:t>
+            </a:r>
+          </a:p>
+          <a:p>
+            <a:r>
+              <a:rPr lang="en-US" dirty="0"/>
+              <a:t>Temperature Departure wasn’t reported from one station, filled using calculate norm from other station</a:t>
+            </a:r>
+          </a:p>
+          <a:p>
+            <a:r>
+              <a:rPr lang="en-US" dirty="0"/>
+              <a:t>Already see weather features are highly correlated and will need to be dropped to prevent overfitting</a:t>
             </a:r>
           </a:p>
           <a:p>
@@ -5443,6 +5463,102 @@
           </a:extLst>
         </p:spPr>
       </p:pic>
+      <p:sp>
+        <p:nvSpPr>
+          <p:cNvPr id="3" name="Rectangle 2">
+            <a:extLst>
+              <a:ext uri="{FF2B5EF4-FFF2-40B4-BE49-F238E27FC236}">
+                <a16:creationId xmlns:a16="http://schemas.microsoft.com/office/drawing/2014/main" id="{4091048B-82C6-40DD-B8AC-9A63BE194A5B}"/>
+              </a:ext>
+            </a:extLst>
+          </p:cNvPr>
+          <p:cNvSpPr/>
+          <p:nvPr/>
+        </p:nvSpPr>
+        <p:spPr>
+          <a:xfrm>
+            <a:off x="6126163" y="1828800"/>
+            <a:ext cx="2448494" cy="2398143"/>
+          </a:xfrm>
+          <a:prstGeom prst="rect">
+            <a:avLst/>
+          </a:prstGeom>
+          <a:noFill/>
+          <a:ln w="28575">
+            <a:solidFill>
+              <a:srgbClr val="C00000"/>
+            </a:solidFill>
+          </a:ln>
+        </p:spPr>
+        <p:style>
+          <a:lnRef idx="2">
+            <a:schemeClr val="accent1">
+              <a:shade val="50000"/>
+            </a:schemeClr>
+          </a:lnRef>
+          <a:fillRef idx="1">
+            <a:schemeClr val="accent1"/>
+          </a:fillRef>
+          <a:effectRef idx="0">
+            <a:schemeClr val="accent1"/>
+          </a:effectRef>
+          <a:fontRef idx="minor">
+            <a:schemeClr val="lt1"/>
+          </a:fontRef>
+        </p:style>
+        <p:txBody>
+          <a:bodyPr rtlCol="0" anchor="ctr"/>
+          <a:lstStyle/>
+          <a:p>
+            <a:pPr algn="ctr"/>
+            <a:endParaRPr lang="en-US"/>
+          </a:p>
+        </p:txBody>
+      </p:sp>
+      <p:cxnSp>
+        <p:nvCxnSpPr>
+          <p:cNvPr id="6" name="Straight Arrow Connector 5">
+            <a:extLst>
+              <a:ext uri="{FF2B5EF4-FFF2-40B4-BE49-F238E27FC236}">
+                <a16:creationId xmlns:a16="http://schemas.microsoft.com/office/drawing/2014/main" id="{1137556A-BD2E-434B-ADFA-1F7D2E10B94A}"/>
+              </a:ext>
+            </a:extLst>
+          </p:cNvPr>
+          <p:cNvCxnSpPr>
+            <a:cxnSpLocks/>
+          </p:cNvCxnSpPr>
+          <p:nvPr/>
+        </p:nvCxnSpPr>
+        <p:spPr>
+          <a:xfrm flipV="1">
+            <a:off x="5234473" y="4226943"/>
+            <a:ext cx="861527" cy="867571"/>
+          </a:xfrm>
+          <a:prstGeom prst="straightConnector1">
+            <a:avLst/>
+          </a:prstGeom>
+          <a:ln w="28575">
+            <a:solidFill>
+              <a:srgbClr val="C00000"/>
+            </a:solidFill>
+            <a:tailEnd type="triangle"/>
+          </a:ln>
+        </p:spPr>
+        <p:style>
+          <a:lnRef idx="1">
+            <a:schemeClr val="accent1"/>
+          </a:lnRef>
+          <a:fillRef idx="0">
+            <a:schemeClr val="accent1"/>
+          </a:fillRef>
+          <a:effectRef idx="0">
+            <a:schemeClr val="accent1"/>
+          </a:effectRef>
+          <a:fontRef idx="minor">
+            <a:schemeClr val="tx1"/>
+          </a:fontRef>
+        </p:style>
+      </p:cxnSp>
     </p:spTree>
     <p:extLst>
       <p:ext uri="{BB962C8B-B14F-4D97-AF65-F5344CB8AC3E}">
@@ -5453,6 +5569,127 @@
   <p:clrMapOvr>
     <a:masterClrMapping/>
   </p:clrMapOvr>
+  <p:timing>
+    <p:tnLst>
+      <p:par>
+        <p:cTn id="1" dur="indefinite" restart="never" nodeType="tmRoot">
+          <p:childTnLst>
+            <p:seq concurrent="1" nextAc="seek">
+              <p:cTn id="2" dur="indefinite" nodeType="mainSeq">
+                <p:childTnLst>
+                  <p:par>
+                    <p:cTn id="3" fill="hold">
+                      <p:stCondLst>
+                        <p:cond delay="indefinite"/>
+                      </p:stCondLst>
+                      <p:childTnLst>
+                        <p:par>
+                          <p:cTn id="4" fill="hold">
+                            <p:stCondLst>
+                              <p:cond delay="0"/>
+                            </p:stCondLst>
+                            <p:childTnLst>
+                              <p:par>
+                                <p:cTn id="5" presetID="10" presetClass="entr" presetSubtype="0" fill="hold" nodeType="clickEffect">
+                                  <p:stCondLst>
+                                    <p:cond delay="0"/>
+                                  </p:stCondLst>
+                                  <p:childTnLst>
+                                    <p:set>
+                                      <p:cBhvr>
+                                        <p:cTn id="6" dur="1" fill="hold">
+                                          <p:stCondLst>
+                                            <p:cond delay="0"/>
+                                          </p:stCondLst>
+                                        </p:cTn>
+                                        <p:tgtEl>
+                                          <p:spTgt spid="6"/>
+                                        </p:tgtEl>
+                                        <p:attrNameLst>
+                                          <p:attrName>style.visibility</p:attrName>
+                                        </p:attrNameLst>
+                                      </p:cBhvr>
+                                      <p:to>
+                                        <p:strVal val="visible"/>
+                                      </p:to>
+                                    </p:set>
+                                    <p:animEffect transition="in" filter="fade">
+                                      <p:cBhvr>
+                                        <p:cTn id="7" dur="500"/>
+                                        <p:tgtEl>
+                                          <p:spTgt spid="6"/>
+                                        </p:tgtEl>
+                                      </p:cBhvr>
+                                    </p:animEffect>
+                                  </p:childTnLst>
+                                </p:cTn>
+                              </p:par>
+                              <p:par>
+                                <p:cTn id="8" presetID="10" presetClass="entr" presetSubtype="0" fill="hold" grpId="0" nodeType="withEffect">
+                                  <p:stCondLst>
+                                    <p:cond delay="0"/>
+                                  </p:stCondLst>
+                                  <p:childTnLst>
+                                    <p:set>
+                                      <p:cBhvr>
+                                        <p:cTn id="9" dur="1" fill="hold">
+                                          <p:stCondLst>
+                                            <p:cond delay="0"/>
+                                          </p:stCondLst>
+                                        </p:cTn>
+                                        <p:tgtEl>
+                                          <p:spTgt spid="3"/>
+                                        </p:tgtEl>
+                                        <p:attrNameLst>
+                                          <p:attrName>style.visibility</p:attrName>
+                                        </p:attrNameLst>
+                                      </p:cBhvr>
+                                      <p:to>
+                                        <p:strVal val="visible"/>
+                                      </p:to>
+                                    </p:set>
+                                    <p:animEffect transition="in" filter="fade">
+                                      <p:cBhvr>
+                                        <p:cTn id="10" dur="500"/>
+                                        <p:tgtEl>
+                                          <p:spTgt spid="3"/>
+                                        </p:tgtEl>
+                                      </p:cBhvr>
+                                    </p:animEffect>
+                                  </p:childTnLst>
+                                </p:cTn>
+                              </p:par>
+                            </p:childTnLst>
+                          </p:cTn>
+                        </p:par>
+                      </p:childTnLst>
+                    </p:cTn>
+                  </p:par>
+                </p:childTnLst>
+              </p:cTn>
+              <p:prevCondLst>
+                <p:cond evt="onPrev" delay="0">
+                  <p:tgtEl>
+                    <p:sldTgt/>
+                  </p:tgtEl>
+                </p:cond>
+              </p:prevCondLst>
+              <p:nextCondLst>
+                <p:cond evt="onNext" delay="0">
+                  <p:tgtEl>
+                    <p:sldTgt/>
+                  </p:tgtEl>
+                </p:cond>
+              </p:nextCondLst>
+            </p:seq>
+          </p:childTnLst>
+        </p:cTn>
+      </p:par>
+    </p:tnLst>
+    <p:bldLst>
+      <p:bldP spid="3" grpId="0" animBg="1"/>
+    </p:bldLst>
+  </p:timing>
 </p:sld>
 </file>
 
@@ -6401,7 +6638,7 @@
           <a:p>
             <a:r>
               <a:rPr lang="en-US" dirty="0"/>
-              <a:t>To ensure that the model is not overfit to the training set we must reduce the number of predictors (start with 89)</a:t>
+              <a:t>Reduce number of predictors to avoid overfitting (start with 89)</a:t>
             </a:r>
           </a:p>
           <a:p>

--- a/Capstone 2 WNV.pptx
+++ b/Capstone 2 WNV.pptx
@@ -292,7 +292,7 @@
           <a:p>
             <a:fld id="{FE924D94-96B3-4AD5-B5AF-480951719483}" type="datetimeFigureOut">
               <a:rPr lang="en-US" smtClean="0"/>
-              <a:t>7/30/2021</a:t>
+              <a:t>8/6/2021</a:t>
             </a:fld>
             <a:endParaRPr lang="en-US"/>
           </a:p>
@@ -520,7 +520,7 @@
           <a:p>
             <a:fld id="{FE924D94-96B3-4AD5-B5AF-480951719483}" type="datetimeFigureOut">
               <a:rPr lang="en-US" smtClean="0"/>
-              <a:t>7/30/2021</a:t>
+              <a:t>8/6/2021</a:t>
             </a:fld>
             <a:endParaRPr lang="en-US"/>
           </a:p>
@@ -700,7 +700,7 @@
           <a:p>
             <a:fld id="{FE924D94-96B3-4AD5-B5AF-480951719483}" type="datetimeFigureOut">
               <a:rPr lang="en-US" smtClean="0"/>
-              <a:t>7/30/2021</a:t>
+              <a:t>8/6/2021</a:t>
             </a:fld>
             <a:endParaRPr lang="en-US"/>
           </a:p>
@@ -870,7 +870,7 @@
           <a:p>
             <a:fld id="{FE924D94-96B3-4AD5-B5AF-480951719483}" type="datetimeFigureOut">
               <a:rPr lang="en-US" smtClean="0"/>
-              <a:t>7/30/2021</a:t>
+              <a:t>8/6/2021</a:t>
             </a:fld>
             <a:endParaRPr lang="en-US"/>
           </a:p>
@@ -1124,7 +1124,7 @@
           <a:p>
             <a:fld id="{FE924D94-96B3-4AD5-B5AF-480951719483}" type="datetimeFigureOut">
               <a:rPr lang="en-US" smtClean="0"/>
-              <a:t>7/30/2021</a:t>
+              <a:t>8/6/2021</a:t>
             </a:fld>
             <a:endParaRPr lang="en-US"/>
           </a:p>
@@ -1450,7 +1450,7 @@
           <a:p>
             <a:fld id="{FE924D94-96B3-4AD5-B5AF-480951719483}" type="datetimeFigureOut">
               <a:rPr lang="en-US" smtClean="0"/>
-              <a:t>7/30/2021</a:t>
+              <a:t>8/6/2021</a:t>
             </a:fld>
             <a:endParaRPr lang="en-US"/>
           </a:p>
@@ -1901,7 +1901,7 @@
           <a:p>
             <a:fld id="{FE924D94-96B3-4AD5-B5AF-480951719483}" type="datetimeFigureOut">
               <a:rPr lang="en-US" smtClean="0"/>
-              <a:t>7/30/2021</a:t>
+              <a:t>8/6/2021</a:t>
             </a:fld>
             <a:endParaRPr lang="en-US"/>
           </a:p>
@@ -2019,7 +2019,7 @@
           <a:p>
             <a:fld id="{FE924D94-96B3-4AD5-B5AF-480951719483}" type="datetimeFigureOut">
               <a:rPr lang="en-US" smtClean="0"/>
-              <a:t>7/30/2021</a:t>
+              <a:t>8/6/2021</a:t>
             </a:fld>
             <a:endParaRPr lang="en-US"/>
           </a:p>
@@ -2114,7 +2114,7 @@
           <a:p>
             <a:fld id="{FE924D94-96B3-4AD5-B5AF-480951719483}" type="datetimeFigureOut">
               <a:rPr lang="en-US" smtClean="0"/>
-              <a:t>7/30/2021</a:t>
+              <a:t>8/6/2021</a:t>
             </a:fld>
             <a:endParaRPr lang="en-US"/>
           </a:p>
@@ -2401,7 +2401,7 @@
           <a:p>
             <a:fld id="{FE924D94-96B3-4AD5-B5AF-480951719483}" type="datetimeFigureOut">
               <a:rPr lang="en-US" smtClean="0"/>
-              <a:t>7/30/2021</a:t>
+              <a:t>8/6/2021</a:t>
             </a:fld>
             <a:endParaRPr lang="en-US"/>
           </a:p>
@@ -2723,7 +2723,7 @@
           <a:p>
             <a:fld id="{FE924D94-96B3-4AD5-B5AF-480951719483}" type="datetimeFigureOut">
               <a:rPr lang="en-US" smtClean="0"/>
-              <a:t>7/30/2021</a:t>
+              <a:t>8/6/2021</a:t>
             </a:fld>
             <a:endParaRPr lang="en-US"/>
           </a:p>
@@ -2977,7 +2977,7 @@
           <a:p>
             <a:fld id="{FE924D94-96B3-4AD5-B5AF-480951719483}" type="datetimeFigureOut">
               <a:rPr lang="en-US" smtClean="0"/>
-              <a:t>7/30/2021</a:t>
+              <a:t>8/6/2021</a:t>
             </a:fld>
             <a:endParaRPr lang="en-US"/>
           </a:p>
@@ -4289,7 +4289,7 @@
           <a:p>
             <a:r>
               <a:rPr lang="en-US" dirty="0"/>
-              <a:t>The XG Boost model is ready for deployment.  </a:t>
+              <a:t>The XG Boost model is ready for deployment, a text file provides details on the model  </a:t>
             </a:r>
           </a:p>
           <a:p>
@@ -4315,6 +4315,15 @@
               <a:rPr lang="en-US" dirty="0"/>
               <a:t>Recommend that WNV case probabilities are calculated and spraying is focused on areas of the city with the highest modeled probability for WNV</a:t>
             </a:r>
+          </a:p>
+          <a:p>
+            <a:r>
+              <a:rPr lang="en-US" dirty="0"/>
+              <a:t>CDPH can plan council resources to be used for spraying using predictions from the model</a:t>
+            </a:r>
+          </a:p>
+          <a:p>
+            <a:endParaRPr lang="en-US" dirty="0"/>
           </a:p>
         </p:txBody>
       </p:sp>
@@ -4953,13 +4962,13 @@
           <a:p>
             <a:r>
               <a:rPr lang="en-US" dirty="0"/>
-              <a:t>Biggest Issue is records split due to mosquito species and number of specimens needed to be aggregated</a:t>
-            </a:r>
-          </a:p>
-          <a:p>
-            <a:r>
-              <a:rPr lang="en-US" dirty="0"/>
-              <a:t>1,056 length data set becomes 4,616 records for training and testing</a:t>
+              <a:t>Need to aggregate records split due to mosquito species and number of specimens </a:t>
+            </a:r>
+          </a:p>
+          <a:p>
+            <a:r>
+              <a:rPr lang="en-US" dirty="0"/>
+              <a:t>10,506 length data set becomes 4,616 records for training and testing</a:t>
             </a:r>
           </a:p>
           <a:p>
@@ -6692,7 +6701,7 @@
             <a:pPr lvl="1"/>
             <a:r>
               <a:rPr lang="en-US" dirty="0"/>
-              <a:t>If the largest VIF &gt;5 then drop that predictor and loop again</a:t>
+              <a:t>If the largest VIF &gt;5 then drop that predictor and iterate</a:t>
             </a:r>
           </a:p>
           <a:p>
